--- a/Лекция 9.pptx
+++ b/Лекция 9.pptx
@@ -264,7 +264,7 @@
           <a:p>
             <a:fld id="{44DBC884-B382-4302-8488-D4E467EB670D}" type="datetimeFigureOut">
               <a:rPr lang="ru-RU" smtClean="0"/>
-              <a:t>21.03.2021</a:t>
+              <a:t>17.02.2022</a:t>
             </a:fld>
             <a:endParaRPr lang="ru-RU" dirty="0"/>
           </a:p>
@@ -663,7 +663,7 @@
           <a:p>
             <a:fld id="{9F4DF3D0-C105-404D-A43B-7CBA1B97B744}" type="datetimeFigureOut">
               <a:rPr lang="ru-RU" smtClean="0"/>
-              <a:t>21.03.2021</a:t>
+              <a:t>17.02.2022</a:t>
             </a:fld>
             <a:endParaRPr lang="ru-RU" dirty="0"/>
           </a:p>
@@ -833,7 +833,7 @@
           <a:p>
             <a:fld id="{9F4DF3D0-C105-404D-A43B-7CBA1B97B744}" type="datetimeFigureOut">
               <a:rPr lang="ru-RU" smtClean="0"/>
-              <a:t>21.03.2021</a:t>
+              <a:t>17.02.2022</a:t>
             </a:fld>
             <a:endParaRPr lang="ru-RU" dirty="0"/>
           </a:p>
@@ -1013,7 +1013,7 @@
           <a:p>
             <a:fld id="{9F4DF3D0-C105-404D-A43B-7CBA1B97B744}" type="datetimeFigureOut">
               <a:rPr lang="ru-RU" smtClean="0"/>
-              <a:t>21.03.2021</a:t>
+              <a:t>17.02.2022</a:t>
             </a:fld>
             <a:endParaRPr lang="ru-RU" dirty="0"/>
           </a:p>
@@ -1183,7 +1183,7 @@
           <a:p>
             <a:fld id="{9F4DF3D0-C105-404D-A43B-7CBA1B97B744}" type="datetimeFigureOut">
               <a:rPr lang="ru-RU" smtClean="0"/>
-              <a:t>21.03.2021</a:t>
+              <a:t>17.02.2022</a:t>
             </a:fld>
             <a:endParaRPr lang="ru-RU" dirty="0"/>
           </a:p>
@@ -1429,7 +1429,7 @@
           <a:p>
             <a:fld id="{9F4DF3D0-C105-404D-A43B-7CBA1B97B744}" type="datetimeFigureOut">
               <a:rPr lang="ru-RU" smtClean="0"/>
-              <a:t>21.03.2021</a:t>
+              <a:t>17.02.2022</a:t>
             </a:fld>
             <a:endParaRPr lang="ru-RU" dirty="0"/>
           </a:p>
@@ -1661,7 +1661,7 @@
           <a:p>
             <a:fld id="{9F4DF3D0-C105-404D-A43B-7CBA1B97B744}" type="datetimeFigureOut">
               <a:rPr lang="ru-RU" smtClean="0"/>
-              <a:t>21.03.2021</a:t>
+              <a:t>17.02.2022</a:t>
             </a:fld>
             <a:endParaRPr lang="ru-RU" dirty="0"/>
           </a:p>
@@ -2028,7 +2028,7 @@
           <a:p>
             <a:fld id="{9F4DF3D0-C105-404D-A43B-7CBA1B97B744}" type="datetimeFigureOut">
               <a:rPr lang="ru-RU" smtClean="0"/>
-              <a:t>21.03.2021</a:t>
+              <a:t>17.02.2022</a:t>
             </a:fld>
             <a:endParaRPr lang="ru-RU" dirty="0"/>
           </a:p>
@@ -2146,7 +2146,7 @@
           <a:p>
             <a:fld id="{9F4DF3D0-C105-404D-A43B-7CBA1B97B744}" type="datetimeFigureOut">
               <a:rPr lang="ru-RU" smtClean="0"/>
-              <a:t>21.03.2021</a:t>
+              <a:t>17.02.2022</a:t>
             </a:fld>
             <a:endParaRPr lang="ru-RU" dirty="0"/>
           </a:p>
@@ -2241,7 +2241,7 @@
           <a:p>
             <a:fld id="{9F4DF3D0-C105-404D-A43B-7CBA1B97B744}" type="datetimeFigureOut">
               <a:rPr lang="ru-RU" smtClean="0"/>
-              <a:t>21.03.2021</a:t>
+              <a:t>17.02.2022</a:t>
             </a:fld>
             <a:endParaRPr lang="ru-RU" dirty="0"/>
           </a:p>
@@ -2518,7 +2518,7 @@
           <a:p>
             <a:fld id="{9F4DF3D0-C105-404D-A43B-7CBA1B97B744}" type="datetimeFigureOut">
               <a:rPr lang="ru-RU" smtClean="0"/>
-              <a:t>21.03.2021</a:t>
+              <a:t>17.02.2022</a:t>
             </a:fld>
             <a:endParaRPr lang="ru-RU" dirty="0"/>
           </a:p>
@@ -2771,7 +2771,7 @@
           <a:p>
             <a:fld id="{9F4DF3D0-C105-404D-A43B-7CBA1B97B744}" type="datetimeFigureOut">
               <a:rPr lang="ru-RU" smtClean="0"/>
-              <a:t>21.03.2021</a:t>
+              <a:t>17.02.2022</a:t>
             </a:fld>
             <a:endParaRPr lang="ru-RU" dirty="0"/>
           </a:p>
@@ -2984,7 +2984,7 @@
           <a:p>
             <a:fld id="{9F4DF3D0-C105-404D-A43B-7CBA1B97B744}" type="datetimeFigureOut">
               <a:rPr lang="ru-RU" smtClean="0"/>
-              <a:t>21.03.2021</a:t>
+              <a:t>17.02.2022</a:t>
             </a:fld>
             <a:endParaRPr lang="ru-RU" dirty="0"/>
           </a:p>
@@ -3447,11 +3447,6 @@
               <a:rPr lang="ru-RU" sz="4000" dirty="0" smtClean="0"/>
               <a:t>Ансамбли</a:t>
             </a:r>
-            <a:r>
-              <a:rPr lang="en-US" sz="4000" dirty="0" smtClean="0"/>
-              <a:t>.</a:t>
-            </a:r>
-            <a:endParaRPr lang="ru-RU" sz="4000" dirty="0" smtClean="0"/>
           </a:p>
           <a:p>
             <a:endParaRPr lang="ru-RU" dirty="0" smtClean="0"/>
@@ -11334,15 +11329,7 @@
             </a:r>
             <a:r>
               <a:rPr lang="ru-RU" dirty="0" smtClean="0"/>
-              <a:t>псевдо-остатки равными </a:t>
-            </a:r>
-            <a:r>
-              <a:rPr lang="ru-RU" dirty="0" smtClean="0"/>
-              <a:t>целевым значениям </a:t>
-            </a:r>
-            <a:r>
-              <a:rPr lang="ru-RU" dirty="0" smtClean="0"/>
-              <a:t>набора данных.</a:t>
+              <a:t>псевдо-остатки равными целевым значениям набора данных.</a:t>
             </a:r>
             <a:endParaRPr lang="ru-RU" dirty="0"/>
           </a:p>
@@ -11889,7 +11876,15 @@
             </a:pPr>
             <a:r>
               <a:rPr lang="ru-RU" dirty="0" smtClean="0"/>
-              <a:t>Заменяет элементы набора данных на псевдо-остатки и изменяет их в процессе обучения «слабых» моделей.</a:t>
+              <a:t>Заменяет </a:t>
+            </a:r>
+            <a:r>
+              <a:rPr lang="ru-RU" smtClean="0"/>
+              <a:t>целевые значения </a:t>
+            </a:r>
+            <a:r>
+              <a:rPr lang="ru-RU" dirty="0" smtClean="0"/>
+              <a:t>набора данных на псевдо-остатки и изменяет их в процессе обучения «слабых» моделей.</a:t>
             </a:r>
             <a:endParaRPr lang="ru-RU" dirty="0"/>
           </a:p>
